--- a/sample/light/光照基础.pptx
+++ b/sample/light/光照基础.pptx
@@ -11,6 +11,7 @@
     <p:sldId id="260" r:id="rId6"/>
     <p:sldId id="261" r:id="rId7"/>
     <p:sldId id="262" r:id="rId8"/>
+    <p:sldId id="263" r:id="rId9"/>
   </p:sldIdLst>
   <p:sldSz cx="12192000" cy="6858000"/>
   <p:notesSz cx="6858000" cy="9144000"/>
@@ -3683,11 +3684,7 @@
             </a:r>
             <a:r>
               <a:rPr lang="zh-CN" altLang="en-US" sz="2000"/>
-              <a:t>的的单位</a:t>
-            </a:r>
-            <a:r>
-              <a:rPr lang="zh-CN" altLang="en-US" sz="2000"/>
-              <a:t>法向量</a:t>
+              <a:t>的的单位法向量</a:t>
             </a:r>
             <a:endParaRPr lang="zh-CN" altLang="en-US" sz="2000"/>
           </a:p>
@@ -4091,7 +4088,7 @@
                 <a:graphicData uri="http://schemas.openxmlformats.org/presentationml/2006/ole">
                   <mc:AlternateContent xmlns:mc="http://schemas.openxmlformats.org/markup-compatibility/2006">
                     <mc:Choice xmlns:v="urn:schemas-microsoft-com:vml" Requires="v">
-                      <p:oleObj spid="_x0000_s3076" name="" r:id="rId10" imgW="127000" imgH="177165" progId="Equation.KSEE3">
+                      <p:oleObj spid="_x0000_s13" name="" r:id="rId10" imgW="127000" imgH="177165" progId="Equation.KSEE3">
                         <p:embed/>
                       </p:oleObj>
                     </mc:Choice>
@@ -4128,7 +4125,7 @@
             </p:graphicFrame>
             <p:sp>
               <p:nvSpPr>
-                <p:cNvPr id="13" name="椭圆 12"/>
+                <p:cNvPr id="14" name="椭圆 13"/>
                 <p:cNvSpPr/>
                 <p:nvPr/>
               </p:nvSpPr>
@@ -4172,7 +4169,7 @@
             </p:sp>
             <p:graphicFrame>
               <p:nvGraphicFramePr>
-                <p:cNvPr id="14" name="对象 13">
+                <p:cNvPr id="15" name="对象 14">
                   <a:hlinkClick r:id="" action="ppaction://ole?verb="/>
                 </p:cNvPr>
                 <p:cNvGraphicFramePr>
@@ -4188,7 +4185,7 @@
                 <a:graphicData uri="http://schemas.openxmlformats.org/presentationml/2006/ole">
                   <mc:AlternateContent xmlns:mc="http://schemas.openxmlformats.org/markup-compatibility/2006">
                     <mc:Choice xmlns:v="urn:schemas-microsoft-com:vml" Requires="v">
-                      <p:oleObj spid="_x0000_s15" name="" r:id="rId12" imgW="165100" imgH="165100" progId="Equation.KSEE3">
+                      <p:oleObj spid="_x0000_s16" name="" r:id="rId12" imgW="165100" imgH="165100" progId="Equation.KSEE3">
                         <p:embed/>
                       </p:oleObj>
                     </mc:Choice>
@@ -5164,6 +5161,140 @@
 </p:sld>
 </file>
 
+<file path=ppt/slides/slide7.xml><?xml version="1.0" encoding="utf-8"?>
+<p:sld xmlns:a="http://schemas.openxmlformats.org/drawingml/2006/main" xmlns:r="http://schemas.openxmlformats.org/officeDocument/2006/relationships" xmlns:p="http://schemas.openxmlformats.org/presentationml/2006/main">
+  <p:cSld>
+    <p:spTree>
+      <p:nvGrpSpPr>
+        <p:cNvPr id="1" name=""/>
+        <p:cNvGrpSpPr/>
+        <p:nvPr/>
+      </p:nvGrpSpPr>
+      <p:grpSpPr/>
+      <p:sp>
+        <p:nvSpPr>
+          <p:cNvPr id="2" name="标题 1"/>
+          <p:cNvSpPr>
+            <a:spLocks noGrp="1"/>
+          </p:cNvSpPr>
+          <p:nvPr>
+            <p:ph type="title"/>
+          </p:nvPr>
+        </p:nvSpPr>
+        <p:spPr>
+          <a:xfrm>
+            <a:off x="258445" y="-59055"/>
+            <a:ext cx="10515600" cy="1325563"/>
+          </a:xfrm>
+        </p:spPr>
+        <p:txBody>
+          <a:bodyPr/>
+          <a:p>
+            <a:pPr algn="ctr"/>
+            <a:r>
+              <a:rPr lang="zh-CN" altLang="zh-CN"/>
+              <a:t>问题</a:t>
+            </a:r>
+            <a:endParaRPr lang="zh-CN" altLang="zh-CN"/>
+          </a:p>
+        </p:txBody>
+      </p:sp>
+      <p:sp>
+        <p:nvSpPr>
+          <p:cNvPr id="3" name="内容占位符 2"/>
+          <p:cNvSpPr>
+            <a:spLocks noGrp="1"/>
+          </p:cNvSpPr>
+          <p:nvPr>
+            <p:ph idx="1"/>
+          </p:nvPr>
+        </p:nvSpPr>
+        <p:spPr>
+          <a:xfrm>
+            <a:off x="413385" y="1332230"/>
+            <a:ext cx="10940415" cy="4845050"/>
+          </a:xfrm>
+        </p:spPr>
+        <p:txBody>
+          <a:bodyPr/>
+          <a:p>
+            <a:pPr marL="0" indent="0">
+              <a:buNone/>
+            </a:pPr>
+            <a:r>
+              <a:rPr lang="en-US" altLang="zh-CN" sz="2000"/>
+              <a:t>model矩阵是否可以用于转换法向量</a:t>
+            </a:r>
+            <a:endParaRPr lang="en-US" altLang="zh-CN" sz="2000"/>
+          </a:p>
+          <a:p>
+            <a:pPr marL="0" indent="0">
+              <a:buNone/>
+            </a:pPr>
+            <a:r>
+              <a:rPr lang="en-US" altLang="zh-CN" sz="2000"/>
+              <a:t>https://www.cnblogs.com/bluebean/p/5297793.html</a:t>
+            </a:r>
+            <a:endParaRPr lang="en-US" altLang="zh-CN" sz="2000"/>
+          </a:p>
+        </p:txBody>
+      </p:sp>
+      <p:pic>
+        <p:nvPicPr>
+          <p:cNvPr id="5" name="图片 4"/>
+          <p:cNvPicPr>
+            <a:picLocks noChangeAspect="1"/>
+          </p:cNvPicPr>
+          <p:nvPr/>
+        </p:nvPicPr>
+        <p:blipFill>
+          <a:blip r:embed="rId1"/>
+          <a:stretch>
+            <a:fillRect/>
+          </a:stretch>
+        </p:blipFill>
+        <p:spPr>
+          <a:xfrm>
+            <a:off x="854710" y="3037840"/>
+            <a:ext cx="3047365" cy="2085975"/>
+          </a:xfrm>
+          <a:prstGeom prst="rect">
+            <a:avLst/>
+          </a:prstGeom>
+        </p:spPr>
+      </p:pic>
+      <p:pic>
+        <p:nvPicPr>
+          <p:cNvPr id="6" name="图片 5"/>
+          <p:cNvPicPr>
+            <a:picLocks noChangeAspect="1"/>
+          </p:cNvPicPr>
+          <p:nvPr/>
+        </p:nvPicPr>
+        <p:blipFill>
+          <a:blip r:embed="rId2"/>
+          <a:stretch>
+            <a:fillRect/>
+          </a:stretch>
+        </p:blipFill>
+        <p:spPr>
+          <a:xfrm>
+            <a:off x="6625590" y="2863850"/>
+            <a:ext cx="3580765" cy="2133600"/>
+          </a:xfrm>
+          <a:prstGeom prst="rect">
+            <a:avLst/>
+          </a:prstGeom>
+        </p:spPr>
+      </p:pic>
+    </p:spTree>
+  </p:cSld>
+  <p:clrMapOvr>
+    <a:masterClrMapping/>
+  </p:clrMapOvr>
+</p:sld>
+</file>
+
 <file path=ppt/theme/theme1.xml><?xml version="1.0" encoding="utf-8"?>
 <a:theme xmlns:a="http://schemas.openxmlformats.org/drawingml/2006/main" name="Office 主题">
   <a:themeElements>
